--- a/Lecture Slides/NeuralNetworks.pptx
+++ b/Lecture Slides/NeuralNetworks.pptx
@@ -217,7 +217,7 @@
           <a:p>
             <a:fld id="{BE1546E9-2860-4B49-8F9F-86BAC8B7C23B}" type="datetimeFigureOut">
               <a:rPr lang="en-US" smtClean="0"/>
-              <a:t>10/19/2016</a:t>
+              <a:t>10/20/2016</a:t>
             </a:fld>
             <a:endParaRPr lang="en-US"/>
           </a:p>
@@ -873,7 +873,7 @@
           <a:p>
             <a:fld id="{F2984FE6-EA9C-42A0-A3D5-84696E6A6B72}" type="datetimeFigureOut">
               <a:rPr lang="en-US" smtClean="0"/>
-              <a:t>10/19/2016</a:t>
+              <a:t>10/20/2016</a:t>
             </a:fld>
             <a:endParaRPr lang="en-US"/>
           </a:p>
@@ -1084,7 +1084,7 @@
           <a:p>
             <a:fld id="{F2984FE6-EA9C-42A0-A3D5-84696E6A6B72}" type="datetimeFigureOut">
               <a:rPr lang="en-US" smtClean="0"/>
-              <a:t>10/19/2016</a:t>
+              <a:t>10/20/2016</a:t>
             </a:fld>
             <a:endParaRPr lang="en-US"/>
           </a:p>
@@ -1299,7 +1299,7 @@
           <a:p>
             <a:fld id="{F2984FE6-EA9C-42A0-A3D5-84696E6A6B72}" type="datetimeFigureOut">
               <a:rPr lang="en-US" smtClean="0"/>
-              <a:t>10/19/2016</a:t>
+              <a:t>10/20/2016</a:t>
             </a:fld>
             <a:endParaRPr lang="en-US"/>
           </a:p>
@@ -1500,7 +1500,7 @@
           <a:p>
             <a:fld id="{F2984FE6-EA9C-42A0-A3D5-84696E6A6B72}" type="datetimeFigureOut">
               <a:rPr lang="en-US" smtClean="0"/>
-              <a:t>10/19/2016</a:t>
+              <a:t>10/20/2016</a:t>
             </a:fld>
             <a:endParaRPr lang="en-US"/>
           </a:p>
@@ -1779,7 +1779,7 @@
           <a:p>
             <a:fld id="{F2984FE6-EA9C-42A0-A3D5-84696E6A6B72}" type="datetimeFigureOut">
               <a:rPr lang="en-US" smtClean="0"/>
-              <a:t>10/19/2016</a:t>
+              <a:t>10/20/2016</a:t>
             </a:fld>
             <a:endParaRPr lang="en-US"/>
           </a:p>
@@ -2047,7 +2047,7 @@
           <a:p>
             <a:fld id="{F2984FE6-EA9C-42A0-A3D5-84696E6A6B72}" type="datetimeFigureOut">
               <a:rPr lang="en-US" smtClean="0"/>
-              <a:t>10/19/2016</a:t>
+              <a:t>10/20/2016</a:t>
             </a:fld>
             <a:endParaRPr lang="en-US"/>
           </a:p>
@@ -2463,7 +2463,7 @@
           <a:p>
             <a:fld id="{F2984FE6-EA9C-42A0-A3D5-84696E6A6B72}" type="datetimeFigureOut">
               <a:rPr lang="en-US" smtClean="0"/>
-              <a:t>10/19/2016</a:t>
+              <a:t>10/20/2016</a:t>
             </a:fld>
             <a:endParaRPr lang="en-US"/>
           </a:p>
@@ -2612,7 +2612,7 @@
           <a:p>
             <a:fld id="{F2984FE6-EA9C-42A0-A3D5-84696E6A6B72}" type="datetimeFigureOut">
               <a:rPr lang="en-US" smtClean="0"/>
-              <a:t>10/19/2016</a:t>
+              <a:t>10/20/2016</a:t>
             </a:fld>
             <a:endParaRPr lang="en-US"/>
           </a:p>
@@ -2738,7 +2738,7 @@
           <a:p>
             <a:fld id="{F2984FE6-EA9C-42A0-A3D5-84696E6A6B72}" type="datetimeFigureOut">
               <a:rPr lang="en-US" smtClean="0"/>
-              <a:t>10/19/2016</a:t>
+              <a:t>10/20/2016</a:t>
             </a:fld>
             <a:endParaRPr lang="en-US"/>
           </a:p>
@@ -2989,7 +2989,7 @@
           <a:p>
             <a:fld id="{F2984FE6-EA9C-42A0-A3D5-84696E6A6B72}" type="datetimeFigureOut">
               <a:rPr lang="en-US" smtClean="0"/>
-              <a:t>10/19/2016</a:t>
+              <a:t>10/20/2016</a:t>
             </a:fld>
             <a:endParaRPr lang="en-US"/>
           </a:p>
@@ -3434,7 +3434,7 @@
           <a:p>
             <a:fld id="{F2984FE6-EA9C-42A0-A3D5-84696E6A6B72}" type="datetimeFigureOut">
               <a:rPr lang="en-US" smtClean="0"/>
-              <a:t>10/19/2016</a:t>
+              <a:t>10/20/2016</a:t>
             </a:fld>
             <a:endParaRPr lang="en-US"/>
           </a:p>
@@ -3760,7 +3760,7 @@
           <a:p>
             <a:fld id="{F2984FE6-EA9C-42A0-A3D5-84696E6A6B72}" type="datetimeFigureOut">
               <a:rPr lang="en-US" smtClean="0"/>
-              <a:t>10/19/2016</a:t>
+              <a:t>10/20/2016</a:t>
             </a:fld>
             <a:endParaRPr lang="en-US"/>
           </a:p>
@@ -4618,7 +4618,7 @@
                       <a:schemeClr val="accent2"/>
                     </a:solidFill>
                   </a:rPr>
-                  <a:t>Back Propagation.</a:t>
+                  <a:t>Backpropagation.</a:t>
                 </a:r>
               </a:p>
               <a:p>
@@ -4651,7 +4651,7 @@
               <a:p>
                 <a:r>
                   <a:rPr lang="en-US" dirty="0"/>
-                  <a:t>The back propagation technique will give us these partial derivatives.</a:t>
+                  <a:t>The backpropagation technique will give us these partial derivatives.</a:t>
                 </a:r>
               </a:p>
             </p:txBody>
@@ -7165,8 +7165,8 @@
           </a:p>
         </p:txBody>
       </p:sp>
-      <mc:AlternateContent xmlns:mc="http://schemas.openxmlformats.org/markup-compatibility/2006" xmlns:a14="http://schemas.microsoft.com/office/drawing/2010/main">
-        <mc:Choice Requires="a14">
+      <mc:AlternateContent xmlns:mc="http://schemas.openxmlformats.org/markup-compatibility/2006">
+        <mc:Choice xmlns:a14="http://schemas.microsoft.com/office/drawing/2010/main" Requires="a14">
           <p:sp>
             <p:nvSpPr>
               <p:cNvPr id="3" name="Content Placeholder 2"/>
@@ -7192,11 +7192,11 @@
                       <a:schemeClr val="accent2"/>
                     </a:solidFill>
                   </a:rPr>
-                  <a:t>activation,</a:t>
+                  <a:t>activation value,</a:t>
                 </a:r>
                 <a:r>
                   <a:rPr lang="en-US" dirty="0"/>
-                  <a:t>  of each node in our network as:</a:t>
+                  <a:t> of each node in our network as:</a:t>
                 </a:r>
               </a:p>
               <a:p>
@@ -7579,7 +7579,7 @@
             </p:txBody>
           </p:sp>
         </mc:Choice>
-        <mc:Fallback xmlns="">
+        <mc:Fallback>
           <p:sp>
             <p:nvSpPr>
               <p:cNvPr id="3" name="Content Placeholder 2"/>

--- a/Lecture Slides/NeuralNetworks.pptx
+++ b/Lecture Slides/NeuralNetworks.pptx
@@ -217,7 +217,7 @@
           <a:p>
             <a:fld id="{BE1546E9-2860-4B49-8F9F-86BAC8B7C23B}" type="datetimeFigureOut">
               <a:rPr lang="en-US" smtClean="0"/>
-              <a:t>10/20/2016</a:t>
+              <a:t>11/10/2016</a:t>
             </a:fld>
             <a:endParaRPr lang="en-US"/>
           </a:p>
@@ -873,7 +873,7 @@
           <a:p>
             <a:fld id="{F2984FE6-EA9C-42A0-A3D5-84696E6A6B72}" type="datetimeFigureOut">
               <a:rPr lang="en-US" smtClean="0"/>
-              <a:t>10/20/2016</a:t>
+              <a:t>11/10/2016</a:t>
             </a:fld>
             <a:endParaRPr lang="en-US"/>
           </a:p>
@@ -1084,7 +1084,7 @@
           <a:p>
             <a:fld id="{F2984FE6-EA9C-42A0-A3D5-84696E6A6B72}" type="datetimeFigureOut">
               <a:rPr lang="en-US" smtClean="0"/>
-              <a:t>10/20/2016</a:t>
+              <a:t>11/10/2016</a:t>
             </a:fld>
             <a:endParaRPr lang="en-US"/>
           </a:p>
@@ -1299,7 +1299,7 @@
           <a:p>
             <a:fld id="{F2984FE6-EA9C-42A0-A3D5-84696E6A6B72}" type="datetimeFigureOut">
               <a:rPr lang="en-US" smtClean="0"/>
-              <a:t>10/20/2016</a:t>
+              <a:t>11/10/2016</a:t>
             </a:fld>
             <a:endParaRPr lang="en-US"/>
           </a:p>
@@ -1500,7 +1500,7 @@
           <a:p>
             <a:fld id="{F2984FE6-EA9C-42A0-A3D5-84696E6A6B72}" type="datetimeFigureOut">
               <a:rPr lang="en-US" smtClean="0"/>
-              <a:t>10/20/2016</a:t>
+              <a:t>11/10/2016</a:t>
             </a:fld>
             <a:endParaRPr lang="en-US"/>
           </a:p>
@@ -1779,7 +1779,7 @@
           <a:p>
             <a:fld id="{F2984FE6-EA9C-42A0-A3D5-84696E6A6B72}" type="datetimeFigureOut">
               <a:rPr lang="en-US" smtClean="0"/>
-              <a:t>10/20/2016</a:t>
+              <a:t>11/10/2016</a:t>
             </a:fld>
             <a:endParaRPr lang="en-US"/>
           </a:p>
@@ -2047,7 +2047,7 @@
           <a:p>
             <a:fld id="{F2984FE6-EA9C-42A0-A3D5-84696E6A6B72}" type="datetimeFigureOut">
               <a:rPr lang="en-US" smtClean="0"/>
-              <a:t>10/20/2016</a:t>
+              <a:t>11/10/2016</a:t>
             </a:fld>
             <a:endParaRPr lang="en-US"/>
           </a:p>
@@ -2463,7 +2463,7 @@
           <a:p>
             <a:fld id="{F2984FE6-EA9C-42A0-A3D5-84696E6A6B72}" type="datetimeFigureOut">
               <a:rPr lang="en-US" smtClean="0"/>
-              <a:t>10/20/2016</a:t>
+              <a:t>11/10/2016</a:t>
             </a:fld>
             <a:endParaRPr lang="en-US"/>
           </a:p>
@@ -2612,7 +2612,7 @@
           <a:p>
             <a:fld id="{F2984FE6-EA9C-42A0-A3D5-84696E6A6B72}" type="datetimeFigureOut">
               <a:rPr lang="en-US" smtClean="0"/>
-              <a:t>10/20/2016</a:t>
+              <a:t>11/10/2016</a:t>
             </a:fld>
             <a:endParaRPr lang="en-US"/>
           </a:p>
@@ -2738,7 +2738,7 @@
           <a:p>
             <a:fld id="{F2984FE6-EA9C-42A0-A3D5-84696E6A6B72}" type="datetimeFigureOut">
               <a:rPr lang="en-US" smtClean="0"/>
-              <a:t>10/20/2016</a:t>
+              <a:t>11/10/2016</a:t>
             </a:fld>
             <a:endParaRPr lang="en-US"/>
           </a:p>
@@ -2989,7 +2989,7 @@
           <a:p>
             <a:fld id="{F2984FE6-EA9C-42A0-A3D5-84696E6A6B72}" type="datetimeFigureOut">
               <a:rPr lang="en-US" smtClean="0"/>
-              <a:t>10/20/2016</a:t>
+              <a:t>11/10/2016</a:t>
             </a:fld>
             <a:endParaRPr lang="en-US"/>
           </a:p>
@@ -3434,7 +3434,7 @@
           <a:p>
             <a:fld id="{F2984FE6-EA9C-42A0-A3D5-84696E6A6B72}" type="datetimeFigureOut">
               <a:rPr lang="en-US" smtClean="0"/>
-              <a:t>10/20/2016</a:t>
+              <a:t>11/10/2016</a:t>
             </a:fld>
             <a:endParaRPr lang="en-US"/>
           </a:p>
@@ -3760,7 +3760,7 @@
           <a:p>
             <a:fld id="{F2984FE6-EA9C-42A0-A3D5-84696E6A6B72}" type="datetimeFigureOut">
               <a:rPr lang="en-US" smtClean="0"/>
-              <a:t>10/20/2016</a:t>
+              <a:t>11/10/2016</a:t>
             </a:fld>
             <a:endParaRPr lang="en-US"/>
           </a:p>
@@ -4589,8 +4589,8 @@
           </a:p>
         </p:txBody>
       </p:sp>
-      <mc:AlternateContent xmlns:mc="http://schemas.openxmlformats.org/markup-compatibility/2006">
-        <mc:Choice xmlns:a14="http://schemas.microsoft.com/office/drawing/2010/main" Requires="a14">
+      <mc:AlternateContent xmlns:mc="http://schemas.openxmlformats.org/markup-compatibility/2006" xmlns:a14="http://schemas.microsoft.com/office/drawing/2010/main">
+        <mc:Choice Requires="a14">
           <p:sp>
             <p:nvSpPr>
               <p:cNvPr id="3" name="Content Placeholder 2"/>
@@ -4657,7 +4657,7 @@
             </p:txBody>
           </p:sp>
         </mc:Choice>
-        <mc:Fallback>
+        <mc:Fallback xmlns="">
           <p:sp>
             <p:nvSpPr>
               <p:cNvPr id="3" name="Content Placeholder 2"/>
@@ -7165,8 +7165,8 @@
           </a:p>
         </p:txBody>
       </p:sp>
-      <mc:AlternateContent xmlns:mc="http://schemas.openxmlformats.org/markup-compatibility/2006">
-        <mc:Choice xmlns:a14="http://schemas.microsoft.com/office/drawing/2010/main" Requires="a14">
+      <mc:AlternateContent xmlns:mc="http://schemas.openxmlformats.org/markup-compatibility/2006" xmlns:a14="http://schemas.microsoft.com/office/drawing/2010/main">
+        <mc:Choice Requires="a14">
           <p:sp>
             <p:nvSpPr>
               <p:cNvPr id="3" name="Content Placeholder 2"/>
@@ -7579,7 +7579,7 @@
             </p:txBody>
           </p:sp>
         </mc:Choice>
-        <mc:Fallback>
+        <mc:Fallback xmlns="">
           <p:sp>
             <p:nvSpPr>
               <p:cNvPr id="3" name="Content Placeholder 2"/>
@@ -14826,8 +14826,8 @@
           </a:p>
         </p:txBody>
       </p:sp>
-      <mc:AlternateContent xmlns:mc="http://schemas.openxmlformats.org/markup-compatibility/2006" xmlns:a14="http://schemas.microsoft.com/office/drawing/2010/main">
-        <mc:Choice Requires="a14">
+      <mc:AlternateContent xmlns:mc="http://schemas.openxmlformats.org/markup-compatibility/2006">
+        <mc:Choice xmlns:a14="http://schemas.microsoft.com/office/drawing/2010/main" Requires="a14">
           <p:sp>
             <p:nvSpPr>
               <p:cNvPr id="3" name="Content Placeholder 2"/>
@@ -14868,6 +14868,50 @@
                   <a:rPr lang="en-US" dirty="0"/>
                   <a:t>Each node in a Neural Network will output a value based on the same heuristic we used in logistic regression: </a:t>
                 </a:r>
+              </a:p>
+              <a:p>
+                <a:pPr lvl="1"/>
+                <a:r>
+                  <a:rPr lang="en-US" dirty="0"/>
+                  <a:t>z = </a:t>
+                </a:r>
+                <a14:m>
+                  <m:oMath xmlns:m="http://schemas.openxmlformats.org/officeDocument/2006/math">
+                    <m:sSup>
+                      <m:sSupPr>
+                        <m:ctrlPr>
+                          <a:rPr lang="en-US" i="1">
+                            <a:latin typeface="Cambria Math" panose="02040503050406030204" pitchFamily="18" charset="0"/>
+                          </a:rPr>
+                        </m:ctrlPr>
+                      </m:sSupPr>
+                      <m:e>
+                        <m:r>
+                          <a:rPr lang="en-US" i="1">
+                            <a:latin typeface="Cambria Math" panose="02040503050406030204" pitchFamily="18" charset="0"/>
+                            <a:ea typeface="Cambria Math" panose="02040503050406030204" pitchFamily="18" charset="0"/>
+                          </a:rPr>
+                          <m:t>𝜃</m:t>
+                        </m:r>
+                      </m:e>
+                      <m:sup>
+                        <m:r>
+                          <a:rPr lang="en-US" i="1">
+                            <a:latin typeface="Cambria Math" panose="02040503050406030204" pitchFamily="18" charset="0"/>
+                          </a:rPr>
+                          <m:t>𝑇</m:t>
+                        </m:r>
+                      </m:sup>
+                    </m:sSup>
+                    <m:r>
+                      <a:rPr lang="en-US" i="1">
+                        <a:latin typeface="Cambria Math" panose="02040503050406030204" pitchFamily="18" charset="0"/>
+                      </a:rPr>
+                      <m:t>𝑥</m:t>
+                    </m:r>
+                  </m:oMath>
+                </a14:m>
+                <a:endParaRPr lang="en-US" dirty="0"/>
               </a:p>
               <a:p>
                 <a:pPr lvl="1"/>
@@ -14958,77 +15002,6 @@
                         </m:r>
                       </m:e>
                     </m:d>
-                  </m:oMath>
-                </a14:m>
-                <a:endParaRPr lang="en-US" dirty="0"/>
-              </a:p>
-              <a:p>
-                <a:pPr lvl="1"/>
-                <a14:m>
-                  <m:oMath xmlns:m="http://schemas.openxmlformats.org/officeDocument/2006/math">
-                    <m:r>
-                      <a:rPr lang="en-US" i="1">
-                        <a:latin typeface="Cambria Math" panose="02040503050406030204" pitchFamily="18" charset="0"/>
-                      </a:rPr>
-                      <m:t>𝑔</m:t>
-                    </m:r>
-                    <m:d>
-                      <m:dPr>
-                        <m:ctrlPr>
-                          <a:rPr lang="en-US" i="1">
-                            <a:latin typeface="Cambria Math" panose="02040503050406030204" pitchFamily="18" charset="0"/>
-                          </a:rPr>
-                        </m:ctrlPr>
-                      </m:dPr>
-                      <m:e>
-                        <m:r>
-                          <a:rPr lang="en-US" b="0" i="1" smtClean="0">
-                            <a:latin typeface="Cambria Math" panose="02040503050406030204" pitchFamily="18" charset="0"/>
-                          </a:rPr>
-                          <m:t>𝑧</m:t>
-                        </m:r>
-                      </m:e>
-                    </m:d>
-                  </m:oMath>
-                </a14:m>
-                <a:r>
-                  <a:rPr lang="en-US" dirty="0"/>
-                  <a:t> = </a:t>
-                </a:r>
-                <a14:m>
-                  <m:oMath xmlns:m="http://schemas.openxmlformats.org/officeDocument/2006/math">
-                    <m:sSup>
-                      <m:sSupPr>
-                        <m:ctrlPr>
-                          <a:rPr lang="en-US" i="1">
-                            <a:latin typeface="Cambria Math" panose="02040503050406030204" pitchFamily="18" charset="0"/>
-                          </a:rPr>
-                        </m:ctrlPr>
-                      </m:sSupPr>
-                      <m:e>
-                        <m:r>
-                          <a:rPr lang="en-US" i="1">
-                            <a:latin typeface="Cambria Math" panose="02040503050406030204" pitchFamily="18" charset="0"/>
-                            <a:ea typeface="Cambria Math" panose="02040503050406030204" pitchFamily="18" charset="0"/>
-                          </a:rPr>
-                          <m:t>𝜃</m:t>
-                        </m:r>
-                      </m:e>
-                      <m:sup>
-                        <m:r>
-                          <a:rPr lang="en-US" i="1">
-                            <a:latin typeface="Cambria Math" panose="02040503050406030204" pitchFamily="18" charset="0"/>
-                          </a:rPr>
-                          <m:t>𝑇</m:t>
-                        </m:r>
-                      </m:sup>
-                    </m:sSup>
-                    <m:r>
-                      <a:rPr lang="en-US" i="1">
-                        <a:latin typeface="Cambria Math" panose="02040503050406030204" pitchFamily="18" charset="0"/>
-                      </a:rPr>
-                      <m:t>𝑥</m:t>
-                    </m:r>
                   </m:oMath>
                 </a14:m>
                 <a:endParaRPr lang="en-US" dirty="0"/>
@@ -15126,7 +15099,7 @@
             </p:txBody>
           </p:sp>
         </mc:Choice>
-        <mc:Fallback xmlns="">
+        <mc:Fallback>
           <p:sp>
             <p:nvSpPr>
               <p:cNvPr id="3" name="Content Placeholder 2"/>

--- a/Lecture Slides/NeuralNetworks.pptx
+++ b/Lecture Slides/NeuralNetworks.pptx
@@ -217,7 +217,7 @@
           <a:p>
             <a:fld id="{BE1546E9-2860-4B49-8F9F-86BAC8B7C23B}" type="datetimeFigureOut">
               <a:rPr lang="en-US" smtClean="0"/>
-              <a:t>11/10/2016</a:t>
+              <a:t>3/21/2017</a:t>
             </a:fld>
             <a:endParaRPr lang="en-US"/>
           </a:p>
@@ -873,7 +873,7 @@
           <a:p>
             <a:fld id="{F2984FE6-EA9C-42A0-A3D5-84696E6A6B72}" type="datetimeFigureOut">
               <a:rPr lang="en-US" smtClean="0"/>
-              <a:t>11/10/2016</a:t>
+              <a:t>3/21/2017</a:t>
             </a:fld>
             <a:endParaRPr lang="en-US"/>
           </a:p>
@@ -1084,7 +1084,7 @@
           <a:p>
             <a:fld id="{F2984FE6-EA9C-42A0-A3D5-84696E6A6B72}" type="datetimeFigureOut">
               <a:rPr lang="en-US" smtClean="0"/>
-              <a:t>11/10/2016</a:t>
+              <a:t>3/21/2017</a:t>
             </a:fld>
             <a:endParaRPr lang="en-US"/>
           </a:p>
@@ -1299,7 +1299,7 @@
           <a:p>
             <a:fld id="{F2984FE6-EA9C-42A0-A3D5-84696E6A6B72}" type="datetimeFigureOut">
               <a:rPr lang="en-US" smtClean="0"/>
-              <a:t>11/10/2016</a:t>
+              <a:t>3/21/2017</a:t>
             </a:fld>
             <a:endParaRPr lang="en-US"/>
           </a:p>
@@ -1500,7 +1500,7 @@
           <a:p>
             <a:fld id="{F2984FE6-EA9C-42A0-A3D5-84696E6A6B72}" type="datetimeFigureOut">
               <a:rPr lang="en-US" smtClean="0"/>
-              <a:t>11/10/2016</a:t>
+              <a:t>3/21/2017</a:t>
             </a:fld>
             <a:endParaRPr lang="en-US"/>
           </a:p>
@@ -1779,7 +1779,7 @@
           <a:p>
             <a:fld id="{F2984FE6-EA9C-42A0-A3D5-84696E6A6B72}" type="datetimeFigureOut">
               <a:rPr lang="en-US" smtClean="0"/>
-              <a:t>11/10/2016</a:t>
+              <a:t>3/21/2017</a:t>
             </a:fld>
             <a:endParaRPr lang="en-US"/>
           </a:p>
@@ -2047,7 +2047,7 @@
           <a:p>
             <a:fld id="{F2984FE6-EA9C-42A0-A3D5-84696E6A6B72}" type="datetimeFigureOut">
               <a:rPr lang="en-US" smtClean="0"/>
-              <a:t>11/10/2016</a:t>
+              <a:t>3/21/2017</a:t>
             </a:fld>
             <a:endParaRPr lang="en-US"/>
           </a:p>
@@ -2463,7 +2463,7 @@
           <a:p>
             <a:fld id="{F2984FE6-EA9C-42A0-A3D5-84696E6A6B72}" type="datetimeFigureOut">
               <a:rPr lang="en-US" smtClean="0"/>
-              <a:t>11/10/2016</a:t>
+              <a:t>3/21/2017</a:t>
             </a:fld>
             <a:endParaRPr lang="en-US"/>
           </a:p>
@@ -2612,7 +2612,7 @@
           <a:p>
             <a:fld id="{F2984FE6-EA9C-42A0-A3D5-84696E6A6B72}" type="datetimeFigureOut">
               <a:rPr lang="en-US" smtClean="0"/>
-              <a:t>11/10/2016</a:t>
+              <a:t>3/21/2017</a:t>
             </a:fld>
             <a:endParaRPr lang="en-US"/>
           </a:p>
@@ -2738,7 +2738,7 @@
           <a:p>
             <a:fld id="{F2984FE6-EA9C-42A0-A3D5-84696E6A6B72}" type="datetimeFigureOut">
               <a:rPr lang="en-US" smtClean="0"/>
-              <a:t>11/10/2016</a:t>
+              <a:t>3/21/2017</a:t>
             </a:fld>
             <a:endParaRPr lang="en-US"/>
           </a:p>
@@ -2989,7 +2989,7 @@
           <a:p>
             <a:fld id="{F2984FE6-EA9C-42A0-A3D5-84696E6A6B72}" type="datetimeFigureOut">
               <a:rPr lang="en-US" smtClean="0"/>
-              <a:t>11/10/2016</a:t>
+              <a:t>3/21/2017</a:t>
             </a:fld>
             <a:endParaRPr lang="en-US"/>
           </a:p>
@@ -3434,7 +3434,7 @@
           <a:p>
             <a:fld id="{F2984FE6-EA9C-42A0-A3D5-84696E6A6B72}" type="datetimeFigureOut">
               <a:rPr lang="en-US" smtClean="0"/>
-              <a:t>11/10/2016</a:t>
+              <a:t>3/21/2017</a:t>
             </a:fld>
             <a:endParaRPr lang="en-US"/>
           </a:p>
@@ -3760,7 +3760,7 @@
           <a:p>
             <a:fld id="{F2984FE6-EA9C-42A0-A3D5-84696E6A6B72}" type="datetimeFigureOut">
               <a:rPr lang="en-US" smtClean="0"/>
-              <a:t>11/10/2016</a:t>
+              <a:t>3/21/2017</a:t>
             </a:fld>
             <a:endParaRPr lang="en-US"/>
           </a:p>
@@ -7165,8 +7165,8 @@
           </a:p>
         </p:txBody>
       </p:sp>
-      <mc:AlternateContent xmlns:mc="http://schemas.openxmlformats.org/markup-compatibility/2006" xmlns:a14="http://schemas.microsoft.com/office/drawing/2010/main">
-        <mc:Choice Requires="a14">
+      <mc:AlternateContent xmlns:mc="http://schemas.openxmlformats.org/markup-compatibility/2006">
+        <mc:Choice xmlns:a14="http://schemas.microsoft.com/office/drawing/2010/main" Requires="a14">
           <p:sp>
             <p:nvSpPr>
               <p:cNvPr id="3" name="Content Placeholder 2"/>
@@ -7224,7 +7224,7 @@
                           <a:rPr lang="en-US" b="0" i="1" smtClean="0">
                             <a:latin typeface="Cambria Math" panose="02040503050406030204" pitchFamily="18" charset="0"/>
                           </a:rPr>
-                          <m:t>𝑗</m:t>
+                          <m:t>𝑖</m:t>
                         </m:r>
                       </m:sub>
                       <m:sup>
@@ -7438,7 +7438,7 @@
                           <a:rPr lang="en-US" b="0" i="1" smtClean="0">
                             <a:latin typeface="Cambria Math" panose="02040503050406030204" pitchFamily="18" charset="0"/>
                           </a:rPr>
-                          <m:t>𝑗</m:t>
+                          <m:t>𝑖</m:t>
                         </m:r>
                       </m:sub>
                       <m:sup>
@@ -7579,7 +7579,7 @@
             </p:txBody>
           </p:sp>
         </mc:Choice>
-        <mc:Fallback xmlns="">
+        <mc:Fallback>
           <p:sp>
             <p:nvSpPr>
               <p:cNvPr id="3" name="Content Placeholder 2"/>
@@ -14826,8 +14826,8 @@
           </a:p>
         </p:txBody>
       </p:sp>
-      <mc:AlternateContent xmlns:mc="http://schemas.openxmlformats.org/markup-compatibility/2006">
-        <mc:Choice xmlns:a14="http://schemas.microsoft.com/office/drawing/2010/main" Requires="a14">
+      <mc:AlternateContent xmlns:mc="http://schemas.openxmlformats.org/markup-compatibility/2006" xmlns:a14="http://schemas.microsoft.com/office/drawing/2010/main">
+        <mc:Choice Requires="a14">
           <p:sp>
             <p:nvSpPr>
               <p:cNvPr id="3" name="Content Placeholder 2"/>
@@ -15099,7 +15099,7 @@
             </p:txBody>
           </p:sp>
         </mc:Choice>
-        <mc:Fallback>
+        <mc:Fallback xmlns="">
           <p:sp>
             <p:nvSpPr>
               <p:cNvPr id="3" name="Content Placeholder 2"/>
